--- a/docs/orinayo.pptx
+++ b/docs/orinayo.pptx
@@ -5,11 +5,11 @@
     <p:sldMasterId id="2147483648" r:id="rId1"/>
   </p:sldMasterIdLst>
   <p:sldIdLst>
-    <p:sldId id="257" r:id="rId2"/>
-    <p:sldId id="256" r:id="rId3"/>
-    <p:sldId id="259" r:id="rId4"/>
-    <p:sldId id="258" r:id="rId5"/>
-    <p:sldId id="260" r:id="rId6"/>
+    <p:sldId id="256" r:id="rId2"/>
+    <p:sldId id="259" r:id="rId3"/>
+    <p:sldId id="258" r:id="rId4"/>
+    <p:sldId id="260" r:id="rId5"/>
+    <p:sldId id="257" r:id="rId6"/>
   </p:sldIdLst>
   <p:sldSz cx="12192000" cy="6858000"/>
   <p:notesSz cx="6858000" cy="9144000"/>
@@ -265,7 +265,7 @@
           <a:p>
             <a:fld id="{CBF99764-E7B3-46D4-A6AA-8494586ACAE2}" type="datetimeFigureOut">
               <a:rPr lang="en-GB" smtClean="0"/>
-              <a:t>10/10/2025</a:t>
+              <a:t>23/01/2026</a:t>
             </a:fld>
             <a:endParaRPr lang="en-GB"/>
           </a:p>
@@ -465,7 +465,7 @@
           <a:p>
             <a:fld id="{CBF99764-E7B3-46D4-A6AA-8494586ACAE2}" type="datetimeFigureOut">
               <a:rPr lang="en-GB" smtClean="0"/>
-              <a:t>10/10/2025</a:t>
+              <a:t>23/01/2026</a:t>
             </a:fld>
             <a:endParaRPr lang="en-GB"/>
           </a:p>
@@ -675,7 +675,7 @@
           <a:p>
             <a:fld id="{CBF99764-E7B3-46D4-A6AA-8494586ACAE2}" type="datetimeFigureOut">
               <a:rPr lang="en-GB" smtClean="0"/>
-              <a:t>10/10/2025</a:t>
+              <a:t>23/01/2026</a:t>
             </a:fld>
             <a:endParaRPr lang="en-GB"/>
           </a:p>
@@ -875,7 +875,7 @@
           <a:p>
             <a:fld id="{CBF99764-E7B3-46D4-A6AA-8494586ACAE2}" type="datetimeFigureOut">
               <a:rPr lang="en-GB" smtClean="0"/>
-              <a:t>10/10/2025</a:t>
+              <a:t>23/01/2026</a:t>
             </a:fld>
             <a:endParaRPr lang="en-GB"/>
           </a:p>
@@ -1151,7 +1151,7 @@
           <a:p>
             <a:fld id="{CBF99764-E7B3-46D4-A6AA-8494586ACAE2}" type="datetimeFigureOut">
               <a:rPr lang="en-GB" smtClean="0"/>
-              <a:t>10/10/2025</a:t>
+              <a:t>23/01/2026</a:t>
             </a:fld>
             <a:endParaRPr lang="en-GB"/>
           </a:p>
@@ -1419,7 +1419,7 @@
           <a:p>
             <a:fld id="{CBF99764-E7B3-46D4-A6AA-8494586ACAE2}" type="datetimeFigureOut">
               <a:rPr lang="en-GB" smtClean="0"/>
-              <a:t>10/10/2025</a:t>
+              <a:t>23/01/2026</a:t>
             </a:fld>
             <a:endParaRPr lang="en-GB"/>
           </a:p>
@@ -1834,7 +1834,7 @@
           <a:p>
             <a:fld id="{CBF99764-E7B3-46D4-A6AA-8494586ACAE2}" type="datetimeFigureOut">
               <a:rPr lang="en-GB" smtClean="0"/>
-              <a:t>10/10/2025</a:t>
+              <a:t>23/01/2026</a:t>
             </a:fld>
             <a:endParaRPr lang="en-GB"/>
           </a:p>
@@ -1976,7 +1976,7 @@
           <a:p>
             <a:fld id="{CBF99764-E7B3-46D4-A6AA-8494586ACAE2}" type="datetimeFigureOut">
               <a:rPr lang="en-GB" smtClean="0"/>
-              <a:t>10/10/2025</a:t>
+              <a:t>23/01/2026</a:t>
             </a:fld>
             <a:endParaRPr lang="en-GB"/>
           </a:p>
@@ -2089,7 +2089,7 @@
           <a:p>
             <a:fld id="{CBF99764-E7B3-46D4-A6AA-8494586ACAE2}" type="datetimeFigureOut">
               <a:rPr lang="en-GB" smtClean="0"/>
-              <a:t>10/10/2025</a:t>
+              <a:t>23/01/2026</a:t>
             </a:fld>
             <a:endParaRPr lang="en-GB"/>
           </a:p>
@@ -2402,7 +2402,7 @@
           <a:p>
             <a:fld id="{CBF99764-E7B3-46D4-A6AA-8494586ACAE2}" type="datetimeFigureOut">
               <a:rPr lang="en-GB" smtClean="0"/>
-              <a:t>10/10/2025</a:t>
+              <a:t>23/01/2026</a:t>
             </a:fld>
             <a:endParaRPr lang="en-GB"/>
           </a:p>
@@ -2691,7 +2691,7 @@
           <a:p>
             <a:fld id="{CBF99764-E7B3-46D4-A6AA-8494586ACAE2}" type="datetimeFigureOut">
               <a:rPr lang="en-GB" smtClean="0"/>
-              <a:t>10/10/2025</a:t>
+              <a:t>23/01/2026</a:t>
             </a:fld>
             <a:endParaRPr lang="en-GB"/>
           </a:p>
@@ -2934,7 +2934,7 @@
           <a:p>
             <a:fld id="{CBF99764-E7B3-46D4-A6AA-8494586ACAE2}" type="datetimeFigureOut">
               <a:rPr lang="en-GB" smtClean="0"/>
-              <a:t>10/10/2025</a:t>
+              <a:t>23/01/2026</a:t>
             </a:fld>
             <a:endParaRPr lang="en-GB"/>
           </a:p>
@@ -3353,66 +3353,6 @@
       </p:grpSpPr>
       <p:pic>
         <p:nvPicPr>
-          <p:cNvPr id="7" name="Picture 6">
-            <a:extLst>
-              <a:ext uri="{FF2B5EF4-FFF2-40B4-BE49-F238E27FC236}">
-                <a16:creationId xmlns:a16="http://schemas.microsoft.com/office/drawing/2014/main" id="{9219B28B-4817-0047-F5A3-9A48D47E93DC}"/>
-              </a:ext>
-            </a:extLst>
-          </p:cNvPr>
-          <p:cNvPicPr>
-            <a:picLocks noChangeAspect="1"/>
-          </p:cNvPicPr>
-          <p:nvPr/>
-        </p:nvPicPr>
-        <p:blipFill>
-          <a:blip r:embed="rId2"/>
-          <a:stretch>
-            <a:fillRect/>
-          </a:stretch>
-        </p:blipFill>
-        <p:spPr>
-          <a:xfrm>
-            <a:off x="2618890" y="761628"/>
-            <a:ext cx="6954220" cy="5334744"/>
-          </a:xfrm>
-          <a:prstGeom prst="rect">
-            <a:avLst/>
-          </a:prstGeom>
-        </p:spPr>
-      </p:pic>
-    </p:spTree>
-    <p:extLst>
-      <p:ext uri="{BB962C8B-B14F-4D97-AF65-F5344CB8AC3E}">
-        <p14:creationId xmlns:p14="http://schemas.microsoft.com/office/powerpoint/2010/main" val="3397485841"/>
-      </p:ext>
-    </p:extLst>
-  </p:cSld>
-  <p:clrMapOvr>
-    <a:masterClrMapping/>
-  </p:clrMapOvr>
-</p:sld>
-</file>
-
-<file path=ppt/slides/slide2.xml><?xml version="1.0" encoding="utf-8"?>
-<p:sld xmlns:a="http://schemas.openxmlformats.org/drawingml/2006/main" xmlns:r="http://schemas.openxmlformats.org/officeDocument/2006/relationships" xmlns:p="http://schemas.openxmlformats.org/presentationml/2006/main">
-  <p:cSld>
-    <p:spTree>
-      <p:nvGrpSpPr>
-        <p:cNvPr id="1" name=""/>
-        <p:cNvGrpSpPr/>
-        <p:nvPr/>
-      </p:nvGrpSpPr>
-      <p:grpSpPr>
-        <a:xfrm>
-          <a:off x="0" y="0"/>
-          <a:ext cx="0" cy="0"/>
-          <a:chOff x="0" y="0"/>
-          <a:chExt cx="0" cy="0"/>
-        </a:xfrm>
-      </p:grpSpPr>
-      <p:pic>
-        <p:nvPicPr>
           <p:cNvPr id="5" name="Picture 4">
             <a:extLst>
               <a:ext uri="{FF2B5EF4-FFF2-40B4-BE49-F238E27FC236}">
@@ -3458,7 +3398,7 @@
         <p:spPr>
           <a:xfrm>
             <a:off x="9059746" y="3326126"/>
-            <a:ext cx="0" cy="1698263"/>
+            <a:ext cx="0" cy="1206963"/>
           </a:xfrm>
           <a:prstGeom prst="line">
             <a:avLst/>
@@ -3497,7 +3437,7 @@
         </p:nvSpPr>
         <p:spPr>
           <a:xfrm>
-            <a:off x="8924881" y="4936645"/>
+            <a:off x="8920068" y="4531441"/>
             <a:ext cx="2953442" cy="276999"/>
           </a:xfrm>
           <a:prstGeom prst="rect">
@@ -3916,7 +3856,7 @@
         <p:spPr>
           <a:xfrm>
             <a:off x="1741298" y="189593"/>
-            <a:ext cx="6671182" cy="276999"/>
+            <a:ext cx="7986362" cy="276999"/>
           </a:xfrm>
           <a:prstGeom prst="rect">
             <a:avLst/>
@@ -3931,7 +3871,55 @@
           <a:p>
             <a:r>
               <a:rPr lang="en-GB" sz="1200" dirty="0"/>
-              <a:t>Next Music Style / Music Style Selector with Chord Buttons Green (A), Red (B) Yellow (C), Blue (D)</a:t>
+              <a:t>Music Style Selector with  </a:t>
+            </a:r>
+            <a:r>
+              <a:rPr lang="en-GB" sz="1200" b="1" dirty="0"/>
+              <a:t>Green</a:t>
+            </a:r>
+            <a:r>
+              <a:rPr lang="en-GB" sz="1200" dirty="0"/>
+              <a:t> (A),  </a:t>
+            </a:r>
+            <a:r>
+              <a:rPr lang="en-GB" sz="1200" b="1" dirty="0"/>
+              <a:t>Red</a:t>
+            </a:r>
+            <a:r>
+              <a:rPr lang="en-GB" sz="1200" dirty="0"/>
+              <a:t> (B) </a:t>
+            </a:r>
+            <a:r>
+              <a:rPr lang="en-GB" sz="1200" b="1" dirty="0"/>
+              <a:t>Yellow</a:t>
+            </a:r>
+            <a:r>
+              <a:rPr lang="en-GB" sz="1200" dirty="0"/>
+              <a:t> (C),  </a:t>
+            </a:r>
+            <a:r>
+              <a:rPr lang="en-GB" sz="1200" b="1" dirty="0"/>
+              <a:t>Blue</a:t>
+            </a:r>
+            <a:r>
+              <a:rPr lang="en-GB" sz="1200" dirty="0"/>
+              <a:t> (D),  </a:t>
+            </a:r>
+            <a:r>
+              <a:rPr lang="en-GB" sz="1200" b="1" dirty="0"/>
+              <a:t>Orange</a:t>
+            </a:r>
+            <a:r>
+              <a:rPr lang="en-GB" sz="1200" dirty="0"/>
+              <a:t> (Previous),  </a:t>
+            </a:r>
+            <a:r>
+              <a:rPr lang="en-GB" sz="1200" b="1" dirty="0"/>
+              <a:t>None</a:t>
+            </a:r>
+            <a:r>
+              <a:rPr lang="en-GB" sz="1200" dirty="0"/>
+              <a:t> (Next)</a:t>
             </a:r>
           </a:p>
         </p:txBody>
@@ -4125,8 +4113,8 @@
         </p:nvSpPr>
         <p:spPr>
           <a:xfrm>
-            <a:off x="2830429" y="4893015"/>
-            <a:ext cx="3490472" cy="276999"/>
+            <a:off x="2830428" y="4893015"/>
+            <a:ext cx="6576218" cy="276999"/>
           </a:xfrm>
           <a:prstGeom prst="rect">
             <a:avLst/>
@@ -4141,7 +4129,47 @@
           <a:p>
             <a:r>
               <a:rPr lang="en-GB" sz="1200" dirty="0"/>
-              <a:t>Previous Music Style / Guitar Style Selector</a:t>
+              <a:t>Guitar Style Selector with </a:t>
+            </a:r>
+            <a:r>
+              <a:rPr lang="en-GB" sz="1200" b="1" dirty="0"/>
+              <a:t>Green</a:t>
+            </a:r>
+            <a:r>
+              <a:rPr lang="en-GB" sz="1200" dirty="0"/>
+              <a:t> (Strum), </a:t>
+            </a:r>
+            <a:r>
+              <a:rPr lang="en-GB" sz="1200" b="1" dirty="0"/>
+              <a:t>Red</a:t>
+            </a:r>
+            <a:r>
+              <a:rPr lang="en-GB" sz="1200" dirty="0"/>
+              <a:t> (Strum/Bass), </a:t>
+            </a:r>
+            <a:r>
+              <a:rPr lang="en-GB" sz="1200" b="1" dirty="0"/>
+              <a:t>Yellow</a:t>
+            </a:r>
+            <a:r>
+              <a:rPr lang="en-GB" sz="1200" dirty="0"/>
+              <a:t>/</a:t>
+            </a:r>
+            <a:r>
+              <a:rPr lang="en-GB" sz="1200" b="1" dirty="0"/>
+              <a:t>Blue</a:t>
+            </a:r>
+            <a:r>
+              <a:rPr lang="en-GB" sz="1200" dirty="0"/>
+              <a:t>/</a:t>
+            </a:r>
+            <a:r>
+              <a:rPr lang="en-GB" sz="1200" b="1" dirty="0"/>
+              <a:t>Orange</a:t>
+            </a:r>
+            <a:r>
+              <a:rPr lang="en-GB" sz="1200" dirty="0"/>
+              <a:t> (Arpeggios) </a:t>
             </a:r>
           </a:p>
         </p:txBody>
@@ -4341,8 +4369,8 @@
         </p:nvSpPr>
         <p:spPr>
           <a:xfrm>
-            <a:off x="523127" y="6123647"/>
-            <a:ext cx="5797773" cy="461665"/>
+            <a:off x="523126" y="6123647"/>
+            <a:ext cx="9545001" cy="461665"/>
           </a:xfrm>
           <a:prstGeom prst="rect">
             <a:avLst/>
@@ -4363,8 +4391,52 @@
               <a:rPr lang="en-GB" sz="1200" dirty="0"/>
             </a:br>
             <a:r>
+              <a:rPr lang="en-GB" sz="1200" b="1" dirty="0"/>
+              <a:t>Green</a:t>
+            </a:r>
+            <a:r>
               <a:rPr lang="en-GB" sz="1200" dirty="0"/>
-              <a:t>Green – Ketron,    Red – Ample Guitar.    Yellow – Midi Drummer</a:t>
+              <a:t> – Arranger (Ketron/Yamaha),    </a:t>
+            </a:r>
+            <a:r>
+              <a:rPr lang="en-GB" sz="1200" b="1" dirty="0"/>
+              <a:t>Red</a:t>
+            </a:r>
+            <a:r>
+              <a:rPr lang="en-GB" sz="1200" dirty="0"/>
+              <a:t> – Ample Guitar.    </a:t>
+            </a:r>
+            <a:r>
+              <a:rPr lang="en-GB" sz="1200" b="1" dirty="0"/>
+              <a:t>Yellow</a:t>
+            </a:r>
+            <a:r>
+              <a:rPr lang="en-GB" sz="1200" dirty="0"/>
+              <a:t> – Midi Drummer, </a:t>
+            </a:r>
+            <a:r>
+              <a:rPr lang="en-GB" sz="1200" b="1" dirty="0"/>
+              <a:t>Blue</a:t>
+            </a:r>
+            <a:r>
+              <a:rPr lang="en-GB" sz="1200" dirty="0"/>
+              <a:t> – </a:t>
+            </a:r>
+            <a:r>
+              <a:rPr lang="en-GB" sz="1200" dirty="0" err="1"/>
+              <a:t>SeqTrak</a:t>
+            </a:r>
+            <a:r>
+              <a:rPr lang="en-GB" sz="1200" dirty="0"/>
+              <a:t>, </a:t>
+            </a:r>
+            <a:r>
+              <a:rPr lang="en-GB" sz="1200" b="1" dirty="0"/>
+              <a:t>Orange</a:t>
+            </a:r>
+            <a:r>
+              <a:rPr lang="en-GB" sz="1200" dirty="0"/>
+              <a:t> – MODX/Montage M</a:t>
             </a:r>
           </a:p>
         </p:txBody>
@@ -4382,7 +4454,7 @@
 </p:sld>
 </file>
 
-<file path=ppt/slides/slide3.xml><?xml version="1.0" encoding="utf-8"?>
+<file path=ppt/slides/slide2.xml><?xml version="1.0" encoding="utf-8"?>
 <p:sld xmlns:a="http://schemas.openxmlformats.org/drawingml/2006/main" xmlns:r="http://schemas.openxmlformats.org/officeDocument/2006/relationships" xmlns:p="http://schemas.openxmlformats.org/presentationml/2006/main">
   <p:cSld>
     <p:spTree>
@@ -4448,7 +4520,7 @@
 </p:sld>
 </file>
 
-<file path=ppt/slides/slide4.xml><?xml version="1.0" encoding="utf-8"?>
+<file path=ppt/slides/slide3.xml><?xml version="1.0" encoding="utf-8"?>
 <p:sld xmlns:a="http://schemas.openxmlformats.org/drawingml/2006/main" xmlns:r="http://schemas.openxmlformats.org/officeDocument/2006/relationships" xmlns:p="http://schemas.openxmlformats.org/presentationml/2006/main">
   <p:cSld>
     <p:spTree>
@@ -4514,7 +4586,7 @@
 </p:sld>
 </file>
 
-<file path=ppt/slides/slide5.xml><?xml version="1.0" encoding="utf-8"?>
+<file path=ppt/slides/slide4.xml><?xml version="1.0" encoding="utf-8"?>
 <p:sld xmlns:a="http://schemas.openxmlformats.org/drawingml/2006/main" xmlns:r="http://schemas.openxmlformats.org/officeDocument/2006/relationships" xmlns:p="http://schemas.openxmlformats.org/presentationml/2006/main">
   <p:cSld>
     <p:spTree>
@@ -4546,14 +4618,14 @@
           <p:nvPr>
             <p:extLst>
               <p:ext uri="{D42A27DB-BD31-4B8C-83A1-F6EECF244321}">
-                <p14:modId xmlns:p14="http://schemas.microsoft.com/office/powerpoint/2010/main" val="996706475"/>
+                <p14:modId xmlns:p14="http://schemas.microsoft.com/office/powerpoint/2010/main" val="349770477"/>
               </p:ext>
             </p:extLst>
           </p:nvPr>
         </p:nvGraphicFramePr>
         <p:xfrm>
-          <a:off x="1234440" y="1451186"/>
-          <a:ext cx="8868414" cy="3708400"/>
+          <a:off x="1214984" y="449237"/>
+          <a:ext cx="8868414" cy="5191760"/>
         </p:xfrm>
         <a:graphic>
           <a:graphicData uri="http://schemas.openxmlformats.org/drawingml/2006/table">
@@ -4633,12 +4705,20 @@
                     <a:lstStyle/>
                     <a:p>
                       <a:r>
-                        <a:rPr lang="en-GB" dirty="0"/>
+                        <a:rPr lang="en-GB" dirty="0">
+                          <a:solidFill>
+                            <a:schemeClr val="bg1"/>
+                          </a:solidFill>
+                        </a:rPr>
                         <a:t>Green</a:t>
                       </a:r>
                     </a:p>
                   </a:txBody>
-                  <a:tcPr/>
+                  <a:tcPr>
+                    <a:solidFill>
+                      <a:schemeClr val="accent6"/>
+                    </a:solidFill>
+                  </a:tcPr>
                 </a:tc>
                 <a:tc>
                   <a:txBody>
@@ -4651,7 +4731,11 @@
                       </a:r>
                     </a:p>
                   </a:txBody>
-                  <a:tcPr/>
+                  <a:tcPr>
+                    <a:solidFill>
+                      <a:srgbClr val="C00000"/>
+                    </a:solidFill>
+                  </a:tcPr>
                 </a:tc>
                 <a:tc>
                   <a:txBody>
@@ -4664,7 +4748,11 @@
                       </a:r>
                     </a:p>
                   </a:txBody>
-                  <a:tcPr/>
+                  <a:tcPr>
+                    <a:solidFill>
+                      <a:srgbClr val="FFC000"/>
+                    </a:solidFill>
+                  </a:tcPr>
                 </a:tc>
                 <a:tc>
                   <a:txBody>
@@ -4677,7 +4765,11 @@
                       </a:r>
                     </a:p>
                   </a:txBody>
-                  <a:tcPr/>
+                  <a:tcPr>
+                    <a:solidFill>
+                      <a:srgbClr val="0070C0"/>
+                    </a:solidFill>
+                  </a:tcPr>
                 </a:tc>
                 <a:tc>
                   <a:txBody>
@@ -4690,7 +4782,14 @@
                       </a:r>
                     </a:p>
                   </a:txBody>
-                  <a:tcPr/>
+                  <a:tcPr>
+                    <a:solidFill>
+                      <a:schemeClr val="accent2">
+                        <a:lumMod val="60000"/>
+                        <a:lumOff val="40000"/>
+                      </a:schemeClr>
+                    </a:solidFill>
+                  </a:tcPr>
                 </a:tc>
                 <a:extLst>
                   <a:ext uri="{0D108BD9-81ED-4DB2-BD59-A6C34878D82A}">
@@ -4723,7 +4822,11 @@
                       </a:r>
                     </a:p>
                   </a:txBody>
-                  <a:tcPr/>
+                  <a:tcPr>
+                    <a:solidFill>
+                      <a:schemeClr val="accent6"/>
+                    </a:solidFill>
+                  </a:tcPr>
                 </a:tc>
                 <a:tc>
                   <a:txBody>
@@ -4733,7 +4836,11 @@
                       <a:endParaRPr lang="en-GB" dirty="0"/>
                     </a:p>
                   </a:txBody>
-                  <a:tcPr/>
+                  <a:tcPr>
+                    <a:solidFill>
+                      <a:srgbClr val="C00000"/>
+                    </a:solidFill>
+                  </a:tcPr>
                 </a:tc>
                 <a:tc>
                   <a:txBody>
@@ -4743,7 +4850,11 @@
                       <a:endParaRPr lang="en-GB"/>
                     </a:p>
                   </a:txBody>
-                  <a:tcPr/>
+                  <a:tcPr>
+                    <a:solidFill>
+                      <a:srgbClr val="FFC000"/>
+                    </a:solidFill>
+                  </a:tcPr>
                 </a:tc>
                 <a:tc>
                   <a:txBody>
@@ -4753,7 +4864,11 @@
                       <a:endParaRPr lang="en-GB"/>
                     </a:p>
                   </a:txBody>
-                  <a:tcPr/>
+                  <a:tcPr>
+                    <a:solidFill>
+                      <a:srgbClr val="0070C0"/>
+                    </a:solidFill>
+                  </a:tcPr>
                 </a:tc>
                 <a:tc>
                   <a:txBody>
@@ -4763,7 +4878,14 @@
                       <a:endParaRPr lang="en-GB"/>
                     </a:p>
                   </a:txBody>
-                  <a:tcPr/>
+                  <a:tcPr>
+                    <a:solidFill>
+                      <a:schemeClr val="accent2">
+                        <a:lumMod val="60000"/>
+                        <a:lumOff val="40000"/>
+                      </a:schemeClr>
+                    </a:solidFill>
+                  </a:tcPr>
                 </a:tc>
                 <a:extLst>
                   <a:ext uri="{0D108BD9-81ED-4DB2-BD59-A6C34878D82A}">
@@ -4793,7 +4915,11 @@
                       <a:endParaRPr lang="en-GB" dirty="0"/>
                     </a:p>
                   </a:txBody>
-                  <a:tcPr/>
+                  <a:tcPr>
+                    <a:solidFill>
+                      <a:schemeClr val="accent6"/>
+                    </a:solidFill>
+                  </a:tcPr>
                 </a:tc>
                 <a:tc>
                   <a:txBody>
@@ -4806,7 +4932,11 @@
                       </a:r>
                     </a:p>
                   </a:txBody>
-                  <a:tcPr/>
+                  <a:tcPr>
+                    <a:solidFill>
+                      <a:srgbClr val="C00000"/>
+                    </a:solidFill>
+                  </a:tcPr>
                 </a:tc>
                 <a:tc>
                   <a:txBody>
@@ -4816,7 +4946,11 @@
                       <a:endParaRPr lang="en-GB"/>
                     </a:p>
                   </a:txBody>
-                  <a:tcPr/>
+                  <a:tcPr>
+                    <a:solidFill>
+                      <a:srgbClr val="FFC000"/>
+                    </a:solidFill>
+                  </a:tcPr>
                 </a:tc>
                 <a:tc>
                   <a:txBody>
@@ -4826,7 +4960,11 @@
                       <a:endParaRPr lang="en-GB"/>
                     </a:p>
                   </a:txBody>
-                  <a:tcPr/>
+                  <a:tcPr>
+                    <a:solidFill>
+                      <a:srgbClr val="0070C0"/>
+                    </a:solidFill>
+                  </a:tcPr>
                 </a:tc>
                 <a:tc>
                   <a:txBody>
@@ -4836,7 +4974,14 @@
                       <a:endParaRPr lang="en-GB"/>
                     </a:p>
                   </a:txBody>
-                  <a:tcPr/>
+                  <a:tcPr>
+                    <a:solidFill>
+                      <a:schemeClr val="accent2">
+                        <a:lumMod val="60000"/>
+                        <a:lumOff val="40000"/>
+                      </a:schemeClr>
+                    </a:solidFill>
+                  </a:tcPr>
                 </a:tc>
                 <a:extLst>
                   <a:ext uri="{0D108BD9-81ED-4DB2-BD59-A6C34878D82A}">
@@ -4866,7 +5011,11 @@
                       <a:endParaRPr lang="en-GB" dirty="0"/>
                     </a:p>
                   </a:txBody>
-                  <a:tcPr/>
+                  <a:tcPr>
+                    <a:solidFill>
+                      <a:schemeClr val="accent6"/>
+                    </a:solidFill>
+                  </a:tcPr>
                 </a:tc>
                 <a:tc>
                   <a:txBody>
@@ -4876,7 +5025,11 @@
                       <a:endParaRPr lang="en-GB" dirty="0"/>
                     </a:p>
                   </a:txBody>
-                  <a:tcPr/>
+                  <a:tcPr>
+                    <a:solidFill>
+                      <a:srgbClr val="C00000"/>
+                    </a:solidFill>
+                  </a:tcPr>
                 </a:tc>
                 <a:tc>
                   <a:txBody>
@@ -4889,7 +5042,11 @@
                       </a:r>
                     </a:p>
                   </a:txBody>
-                  <a:tcPr/>
+                  <a:tcPr>
+                    <a:solidFill>
+                      <a:srgbClr val="FFC000"/>
+                    </a:solidFill>
+                  </a:tcPr>
                 </a:tc>
                 <a:tc>
                   <a:txBody>
@@ -4899,7 +5056,11 @@
                       <a:endParaRPr lang="en-GB"/>
                     </a:p>
                   </a:txBody>
-                  <a:tcPr/>
+                  <a:tcPr>
+                    <a:solidFill>
+                      <a:srgbClr val="0070C0"/>
+                    </a:solidFill>
+                  </a:tcPr>
                 </a:tc>
                 <a:tc>
                   <a:txBody>
@@ -4909,7 +5070,14 @@
                       <a:endParaRPr lang="en-GB"/>
                     </a:p>
                   </a:txBody>
-                  <a:tcPr/>
+                  <a:tcPr>
+                    <a:solidFill>
+                      <a:schemeClr val="accent2">
+                        <a:lumMod val="60000"/>
+                        <a:lumOff val="40000"/>
+                      </a:schemeClr>
+                    </a:solidFill>
+                  </a:tcPr>
                 </a:tc>
                 <a:extLst>
                   <a:ext uri="{0D108BD9-81ED-4DB2-BD59-A6C34878D82A}">
@@ -4956,7 +5124,11 @@
                       <a:endParaRPr lang="en-GB" dirty="0"/>
                     </a:p>
                   </a:txBody>
-                  <a:tcPr/>
+                  <a:tcPr>
+                    <a:solidFill>
+                      <a:schemeClr val="accent6"/>
+                    </a:solidFill>
+                  </a:tcPr>
                 </a:tc>
                 <a:tc>
                   <a:txBody>
@@ -4966,7 +5138,11 @@
                       <a:endParaRPr lang="en-GB"/>
                     </a:p>
                   </a:txBody>
-                  <a:tcPr/>
+                  <a:tcPr>
+                    <a:solidFill>
+                      <a:srgbClr val="C00000"/>
+                    </a:solidFill>
+                  </a:tcPr>
                 </a:tc>
                 <a:tc>
                   <a:txBody>
@@ -4976,7 +5152,11 @@
                       <a:endParaRPr lang="en-GB"/>
                     </a:p>
                   </a:txBody>
-                  <a:tcPr/>
+                  <a:tcPr>
+                    <a:solidFill>
+                      <a:srgbClr val="FFC000"/>
+                    </a:solidFill>
+                  </a:tcPr>
                 </a:tc>
                 <a:tc>
                   <a:txBody>
@@ -4989,7 +5169,11 @@
                       </a:r>
                     </a:p>
                   </a:txBody>
-                  <a:tcPr/>
+                  <a:tcPr>
+                    <a:solidFill>
+                      <a:srgbClr val="0070C0"/>
+                    </a:solidFill>
+                  </a:tcPr>
                 </a:tc>
                 <a:tc>
                   <a:txBody>
@@ -4999,7 +5183,14 @@
                       <a:endParaRPr lang="en-GB"/>
                     </a:p>
                   </a:txBody>
-                  <a:tcPr/>
+                  <a:tcPr>
+                    <a:solidFill>
+                      <a:schemeClr val="accent2">
+                        <a:lumMod val="60000"/>
+                        <a:lumOff val="40000"/>
+                      </a:schemeClr>
+                    </a:solidFill>
+                  </a:tcPr>
                 </a:tc>
                 <a:extLst>
                   <a:ext uri="{0D108BD9-81ED-4DB2-BD59-A6C34878D82A}">
@@ -5046,7 +5237,11 @@
                       <a:endParaRPr lang="en-GB" dirty="0"/>
                     </a:p>
                   </a:txBody>
-                  <a:tcPr/>
+                  <a:tcPr>
+                    <a:solidFill>
+                      <a:schemeClr val="accent6"/>
+                    </a:solidFill>
+                  </a:tcPr>
                 </a:tc>
                 <a:tc>
                   <a:txBody>
@@ -5056,7 +5251,11 @@
                       <a:endParaRPr lang="en-GB"/>
                     </a:p>
                   </a:txBody>
-                  <a:tcPr/>
+                  <a:tcPr>
+                    <a:solidFill>
+                      <a:srgbClr val="C00000"/>
+                    </a:solidFill>
+                  </a:tcPr>
                 </a:tc>
                 <a:tc>
                   <a:txBody>
@@ -5066,7 +5265,11 @@
                       <a:endParaRPr lang="en-GB"/>
                     </a:p>
                   </a:txBody>
-                  <a:tcPr/>
+                  <a:tcPr>
+                    <a:solidFill>
+                      <a:srgbClr val="FFC000"/>
+                    </a:solidFill>
+                  </a:tcPr>
                 </a:tc>
                 <a:tc>
                   <a:txBody>
@@ -5076,7 +5279,11 @@
                       <a:endParaRPr lang="en-GB"/>
                     </a:p>
                   </a:txBody>
-                  <a:tcPr/>
+                  <a:tcPr>
+                    <a:solidFill>
+                      <a:srgbClr val="0070C0"/>
+                    </a:solidFill>
+                  </a:tcPr>
                 </a:tc>
                 <a:tc>
                   <a:txBody>
@@ -5089,7 +5296,14 @@
                       </a:r>
                     </a:p>
                   </a:txBody>
-                  <a:tcPr/>
+                  <a:tcPr>
+                    <a:solidFill>
+                      <a:schemeClr val="accent2">
+                        <a:lumMod val="60000"/>
+                        <a:lumOff val="40000"/>
+                      </a:schemeClr>
+                    </a:solidFill>
+                  </a:tcPr>
                 </a:tc>
                 <a:extLst>
                   <a:ext uri="{0D108BD9-81ED-4DB2-BD59-A6C34878D82A}">
@@ -5139,7 +5353,11 @@
                       </a:r>
                     </a:p>
                   </a:txBody>
-                  <a:tcPr/>
+                  <a:tcPr>
+                    <a:solidFill>
+                      <a:schemeClr val="accent6"/>
+                    </a:solidFill>
+                  </a:tcPr>
                 </a:tc>
                 <a:tc>
                   <a:txBody>
@@ -5152,7 +5370,11 @@
                       </a:r>
                     </a:p>
                   </a:txBody>
-                  <a:tcPr/>
+                  <a:tcPr>
+                    <a:solidFill>
+                      <a:srgbClr val="C00000"/>
+                    </a:solidFill>
+                  </a:tcPr>
                 </a:tc>
                 <a:tc>
                   <a:txBody>
@@ -5162,7 +5384,11 @@
                       <a:endParaRPr lang="en-GB"/>
                     </a:p>
                   </a:txBody>
-                  <a:tcPr/>
+                  <a:tcPr>
+                    <a:solidFill>
+                      <a:srgbClr val="FFC000"/>
+                    </a:solidFill>
+                  </a:tcPr>
                 </a:tc>
                 <a:tc>
                   <a:txBody>
@@ -5172,7 +5398,11 @@
                       <a:endParaRPr lang="en-GB"/>
                     </a:p>
                   </a:txBody>
-                  <a:tcPr/>
+                  <a:tcPr>
+                    <a:solidFill>
+                      <a:srgbClr val="0070C0"/>
+                    </a:solidFill>
+                  </a:tcPr>
                 </a:tc>
                 <a:tc>
                   <a:txBody>
@@ -5182,7 +5412,14 @@
                       <a:endParaRPr lang="en-GB" dirty="0"/>
                     </a:p>
                   </a:txBody>
-                  <a:tcPr/>
+                  <a:tcPr>
+                    <a:solidFill>
+                      <a:schemeClr val="accent2">
+                        <a:lumMod val="60000"/>
+                        <a:lumOff val="40000"/>
+                      </a:schemeClr>
+                    </a:solidFill>
+                  </a:tcPr>
                 </a:tc>
                 <a:extLst>
                   <a:ext uri="{0D108BD9-81ED-4DB2-BD59-A6C34878D82A}">
@@ -5229,7 +5466,11 @@
                       <a:endParaRPr lang="en-GB" dirty="0"/>
                     </a:p>
                   </a:txBody>
-                  <a:tcPr/>
+                  <a:tcPr>
+                    <a:solidFill>
+                      <a:schemeClr val="accent6"/>
+                    </a:solidFill>
+                  </a:tcPr>
                 </a:tc>
                 <a:tc>
                   <a:txBody>
@@ -5242,7 +5483,11 @@
                       </a:r>
                     </a:p>
                   </a:txBody>
-                  <a:tcPr/>
+                  <a:tcPr>
+                    <a:solidFill>
+                      <a:srgbClr val="C00000"/>
+                    </a:solidFill>
+                  </a:tcPr>
                 </a:tc>
                 <a:tc>
                   <a:txBody>
@@ -5255,7 +5500,11 @@
                       </a:r>
                     </a:p>
                   </a:txBody>
-                  <a:tcPr/>
+                  <a:tcPr>
+                    <a:solidFill>
+                      <a:srgbClr val="FFC000"/>
+                    </a:solidFill>
+                  </a:tcPr>
                 </a:tc>
                 <a:tc>
                   <a:txBody>
@@ -5265,7 +5514,11 @@
                       <a:endParaRPr lang="en-GB"/>
                     </a:p>
                   </a:txBody>
-                  <a:tcPr/>
+                  <a:tcPr>
+                    <a:solidFill>
+                      <a:srgbClr val="0070C0"/>
+                    </a:solidFill>
+                  </a:tcPr>
                 </a:tc>
                 <a:tc>
                   <a:txBody>
@@ -5275,7 +5528,14 @@
                       <a:endParaRPr lang="en-GB" dirty="0"/>
                     </a:p>
                   </a:txBody>
-                  <a:tcPr/>
+                  <a:tcPr>
+                    <a:solidFill>
+                      <a:schemeClr val="accent2">
+                        <a:lumMod val="60000"/>
+                        <a:lumOff val="40000"/>
+                      </a:schemeClr>
+                    </a:solidFill>
+                  </a:tcPr>
                 </a:tc>
                 <a:extLst>
                   <a:ext uri="{0D108BD9-81ED-4DB2-BD59-A6C34878D82A}">
@@ -5322,7 +5582,11 @@
                       <a:endParaRPr lang="en-GB" dirty="0"/>
                     </a:p>
                   </a:txBody>
-                  <a:tcPr/>
+                  <a:tcPr>
+                    <a:solidFill>
+                      <a:schemeClr val="accent6"/>
+                    </a:solidFill>
+                  </a:tcPr>
                 </a:tc>
                 <a:tc>
                   <a:txBody>
@@ -5332,7 +5596,11 @@
                       <a:endParaRPr lang="en-GB"/>
                     </a:p>
                   </a:txBody>
-                  <a:tcPr/>
+                  <a:tcPr>
+                    <a:solidFill>
+                      <a:srgbClr val="C00000"/>
+                    </a:solidFill>
+                  </a:tcPr>
                 </a:tc>
                 <a:tc>
                   <a:txBody>
@@ -5345,7 +5613,11 @@
                       </a:r>
                     </a:p>
                   </a:txBody>
-                  <a:tcPr/>
+                  <a:tcPr>
+                    <a:solidFill>
+                      <a:srgbClr val="FFC000"/>
+                    </a:solidFill>
+                  </a:tcPr>
                 </a:tc>
                 <a:tc>
                   <a:txBody>
@@ -5358,7 +5630,11 @@
                       </a:r>
                     </a:p>
                   </a:txBody>
-                  <a:tcPr/>
+                  <a:tcPr>
+                    <a:solidFill>
+                      <a:srgbClr val="0070C0"/>
+                    </a:solidFill>
+                  </a:tcPr>
                 </a:tc>
                 <a:tc>
                   <a:txBody>
@@ -5368,7 +5644,14 @@
                       <a:endParaRPr lang="en-GB" dirty="0"/>
                     </a:p>
                   </a:txBody>
-                  <a:tcPr/>
+                  <a:tcPr>
+                    <a:solidFill>
+                      <a:schemeClr val="accent2">
+                        <a:lumMod val="60000"/>
+                        <a:lumOff val="40000"/>
+                      </a:schemeClr>
+                    </a:solidFill>
+                  </a:tcPr>
                 </a:tc>
                 <a:extLst>
                   <a:ext uri="{0D108BD9-81ED-4DB2-BD59-A6C34878D82A}">
@@ -5401,7 +5684,7 @@
                       </a:pPr>
                       <a:r>
                         <a:rPr lang="en-GB" dirty="0"/>
-                        <a:t>Mute Guitar (No Sound)</a:t>
+                        <a:t>Mute Guitar</a:t>
                       </a:r>
                     </a:p>
                   </a:txBody>
@@ -5415,7 +5698,11 @@
                       <a:endParaRPr lang="en-GB" dirty="0"/>
                     </a:p>
                   </a:txBody>
-                  <a:tcPr/>
+                  <a:tcPr>
+                    <a:solidFill>
+                      <a:schemeClr val="accent6"/>
+                    </a:solidFill>
+                  </a:tcPr>
                 </a:tc>
                 <a:tc>
                   <a:txBody>
@@ -5425,7 +5712,11 @@
                       <a:endParaRPr lang="en-GB"/>
                     </a:p>
                   </a:txBody>
-                  <a:tcPr/>
+                  <a:tcPr>
+                    <a:solidFill>
+                      <a:srgbClr val="C00000"/>
+                    </a:solidFill>
+                  </a:tcPr>
                 </a:tc>
                 <a:tc>
                   <a:txBody>
@@ -5435,7 +5726,11 @@
                       <a:endParaRPr lang="en-GB"/>
                     </a:p>
                   </a:txBody>
-                  <a:tcPr/>
+                  <a:tcPr>
+                    <a:solidFill>
+                      <a:srgbClr val="FFC000"/>
+                    </a:solidFill>
+                  </a:tcPr>
                 </a:tc>
                 <a:tc>
                   <a:txBody>
@@ -5448,7 +5743,11 @@
                       </a:r>
                     </a:p>
                   </a:txBody>
-                  <a:tcPr/>
+                  <a:tcPr>
+                    <a:solidFill>
+                      <a:srgbClr val="0070C0"/>
+                    </a:solidFill>
+                  </a:tcPr>
                 </a:tc>
                 <a:tc>
                   <a:txBody>
@@ -5461,11 +5760,485 @@
                       </a:r>
                     </a:p>
                   </a:txBody>
-                  <a:tcPr/>
+                  <a:tcPr>
+                    <a:solidFill>
+                      <a:schemeClr val="accent2">
+                        <a:lumMod val="60000"/>
+                        <a:lumOff val="40000"/>
+                      </a:schemeClr>
+                    </a:solidFill>
+                  </a:tcPr>
                 </a:tc>
                 <a:extLst>
                   <a:ext uri="{0D108BD9-81ED-4DB2-BD59-A6C34878D82A}">
                     <a16:rowId xmlns:a16="http://schemas.microsoft.com/office/drawing/2014/main" val="28881733"/>
+                  </a:ext>
+                </a:extLst>
+              </a:tr>
+              <a:tr h="370840">
+                <a:tc>
+                  <a:txBody>
+                    <a:bodyPr/>
+                    <a:lstStyle/>
+                    <a:p>
+                      <a:pPr marL="0" marR="0" lvl="0" indent="0" algn="l" defTabSz="914400" rtl="0" eaLnBrk="1" fontAlgn="auto" latinLnBrk="0" hangingPunct="1">
+                        <a:lnSpc>
+                          <a:spcPct val="100000"/>
+                        </a:lnSpc>
+                        <a:spcBef>
+                          <a:spcPts val="0"/>
+                        </a:spcBef>
+                        <a:spcAft>
+                          <a:spcPts val="0"/>
+                        </a:spcAft>
+                        <a:buClrTx/>
+                        <a:buSzTx/>
+                        <a:buFontTx/>
+                        <a:buNone/>
+                        <a:tabLst/>
+                        <a:defRPr/>
+                      </a:pPr>
+                      <a:r>
+                        <a:rPr lang="en-GB" dirty="0"/>
+                        <a:t>Mute Style </a:t>
+                      </a:r>
+                    </a:p>
+                  </a:txBody>
+                  <a:tcPr/>
+                </a:tc>
+                <a:tc>
+                  <a:txBody>
+                    <a:bodyPr/>
+                    <a:lstStyle/>
+                    <a:p>
+                      <a:endParaRPr lang="en-GB" dirty="0"/>
+                    </a:p>
+                  </a:txBody>
+                  <a:tcPr>
+                    <a:solidFill>
+                      <a:schemeClr val="accent6"/>
+                    </a:solidFill>
+                  </a:tcPr>
+                </a:tc>
+                <a:tc>
+                  <a:txBody>
+                    <a:bodyPr/>
+                    <a:lstStyle/>
+                    <a:p>
+                      <a:endParaRPr lang="en-GB"/>
+                    </a:p>
+                  </a:txBody>
+                  <a:tcPr>
+                    <a:solidFill>
+                      <a:srgbClr val="C00000"/>
+                    </a:solidFill>
+                  </a:tcPr>
+                </a:tc>
+                <a:tc>
+                  <a:txBody>
+                    <a:bodyPr/>
+                    <a:lstStyle/>
+                    <a:p>
+                      <a:r>
+                        <a:rPr lang="en-GB" dirty="0"/>
+                        <a:t>X</a:t>
+                      </a:r>
+                    </a:p>
+                  </a:txBody>
+                  <a:tcPr>
+                    <a:solidFill>
+                      <a:srgbClr val="FFC000"/>
+                    </a:solidFill>
+                  </a:tcPr>
+                </a:tc>
+                <a:tc>
+                  <a:txBody>
+                    <a:bodyPr/>
+                    <a:lstStyle/>
+                    <a:p>
+                      <a:endParaRPr lang="en-GB" dirty="0"/>
+                    </a:p>
+                  </a:txBody>
+                  <a:tcPr>
+                    <a:solidFill>
+                      <a:srgbClr val="0070C0"/>
+                    </a:solidFill>
+                  </a:tcPr>
+                </a:tc>
+                <a:tc>
+                  <a:txBody>
+                    <a:bodyPr/>
+                    <a:lstStyle/>
+                    <a:p>
+                      <a:r>
+                        <a:rPr lang="en-GB" dirty="0"/>
+                        <a:t>X</a:t>
+                      </a:r>
+                    </a:p>
+                  </a:txBody>
+                  <a:tcPr>
+                    <a:solidFill>
+                      <a:schemeClr val="accent2">
+                        <a:lumMod val="60000"/>
+                        <a:lumOff val="40000"/>
+                      </a:schemeClr>
+                    </a:solidFill>
+                  </a:tcPr>
+                </a:tc>
+                <a:extLst>
+                  <a:ext uri="{0D108BD9-81ED-4DB2-BD59-A6C34878D82A}">
+                    <a16:rowId xmlns:a16="http://schemas.microsoft.com/office/drawing/2014/main" val="4169726304"/>
+                  </a:ext>
+                </a:extLst>
+              </a:tr>
+              <a:tr h="370840">
+                <a:tc>
+                  <a:txBody>
+                    <a:bodyPr/>
+                    <a:lstStyle/>
+                    <a:p>
+                      <a:pPr marL="0" marR="0" lvl="0" indent="0" algn="l" defTabSz="914400" rtl="0" eaLnBrk="1" fontAlgn="auto" latinLnBrk="0" hangingPunct="1">
+                        <a:lnSpc>
+                          <a:spcPct val="100000"/>
+                        </a:lnSpc>
+                        <a:spcBef>
+                          <a:spcPts val="0"/>
+                        </a:spcBef>
+                        <a:spcAft>
+                          <a:spcPts val="0"/>
+                        </a:spcAft>
+                        <a:buClrTx/>
+                        <a:buSzTx/>
+                        <a:buFontTx/>
+                        <a:buNone/>
+                        <a:tabLst/>
+                        <a:defRPr/>
+                      </a:pPr>
+                      <a:r>
+                        <a:rPr lang="en-GB" dirty="0"/>
+                        <a:t>Mute Bass Track</a:t>
+                      </a:r>
+                    </a:p>
+                  </a:txBody>
+                  <a:tcPr/>
+                </a:tc>
+                <a:tc>
+                  <a:txBody>
+                    <a:bodyPr/>
+                    <a:lstStyle/>
+                    <a:p>
+                      <a:endParaRPr lang="en-GB" dirty="0"/>
+                    </a:p>
+                  </a:txBody>
+                  <a:tcPr>
+                    <a:solidFill>
+                      <a:schemeClr val="accent6"/>
+                    </a:solidFill>
+                  </a:tcPr>
+                </a:tc>
+                <a:tc>
+                  <a:txBody>
+                    <a:bodyPr/>
+                    <a:lstStyle/>
+                    <a:p>
+                      <a:r>
+                        <a:rPr lang="en-GB" dirty="0"/>
+                        <a:t>X</a:t>
+                      </a:r>
+                    </a:p>
+                  </a:txBody>
+                  <a:tcPr>
+                    <a:solidFill>
+                      <a:srgbClr val="C00000"/>
+                    </a:solidFill>
+                  </a:tcPr>
+                </a:tc>
+                <a:tc>
+                  <a:txBody>
+                    <a:bodyPr/>
+                    <a:lstStyle/>
+                    <a:p>
+                      <a:endParaRPr lang="en-GB" dirty="0"/>
+                    </a:p>
+                  </a:txBody>
+                  <a:tcPr>
+                    <a:solidFill>
+                      <a:srgbClr val="FFC000"/>
+                    </a:solidFill>
+                  </a:tcPr>
+                </a:tc>
+                <a:tc>
+                  <a:txBody>
+                    <a:bodyPr/>
+                    <a:lstStyle/>
+                    <a:p>
+                      <a:r>
+                        <a:rPr lang="en-GB" dirty="0"/>
+                        <a:t>X</a:t>
+                      </a:r>
+                    </a:p>
+                  </a:txBody>
+                  <a:tcPr>
+                    <a:solidFill>
+                      <a:srgbClr val="0070C0"/>
+                    </a:solidFill>
+                  </a:tcPr>
+                </a:tc>
+                <a:tc>
+                  <a:txBody>
+                    <a:bodyPr/>
+                    <a:lstStyle/>
+                    <a:p>
+                      <a:endParaRPr lang="en-GB" dirty="0"/>
+                    </a:p>
+                  </a:txBody>
+                  <a:tcPr>
+                    <a:solidFill>
+                      <a:schemeClr val="accent2">
+                        <a:lumMod val="60000"/>
+                        <a:lumOff val="40000"/>
+                      </a:schemeClr>
+                    </a:solidFill>
+                  </a:tcPr>
+                </a:tc>
+                <a:extLst>
+                  <a:ext uri="{0D108BD9-81ED-4DB2-BD59-A6C34878D82A}">
+                    <a16:rowId xmlns:a16="http://schemas.microsoft.com/office/drawing/2014/main" val="2551586496"/>
+                  </a:ext>
+                </a:extLst>
+              </a:tr>
+              <a:tr h="370840">
+                <a:tc>
+                  <a:txBody>
+                    <a:bodyPr/>
+                    <a:lstStyle/>
+                    <a:p>
+                      <a:pPr marL="0" marR="0" lvl="0" indent="0" algn="l" defTabSz="914400" rtl="0" eaLnBrk="1" fontAlgn="auto" latinLnBrk="0" hangingPunct="1">
+                        <a:lnSpc>
+                          <a:spcPct val="100000"/>
+                        </a:lnSpc>
+                        <a:spcBef>
+                          <a:spcPts val="0"/>
+                        </a:spcBef>
+                        <a:spcAft>
+                          <a:spcPts val="0"/>
+                        </a:spcAft>
+                        <a:buClrTx/>
+                        <a:buSzTx/>
+                        <a:buFontTx/>
+                        <a:buNone/>
+                        <a:tabLst/>
+                        <a:defRPr/>
+                      </a:pPr>
+                      <a:r>
+                        <a:rPr lang="en-GB" dirty="0"/>
+                        <a:t>Mute Chord Track</a:t>
+                      </a:r>
+                    </a:p>
+                  </a:txBody>
+                  <a:tcPr/>
+                </a:tc>
+                <a:tc>
+                  <a:txBody>
+                    <a:bodyPr/>
+                    <a:lstStyle/>
+                    <a:p>
+                      <a:r>
+                        <a:rPr lang="en-GB" dirty="0"/>
+                        <a:t>X</a:t>
+                      </a:r>
+                    </a:p>
+                  </a:txBody>
+                  <a:tcPr>
+                    <a:solidFill>
+                      <a:schemeClr val="accent6"/>
+                    </a:solidFill>
+                  </a:tcPr>
+                </a:tc>
+                <a:tc>
+                  <a:txBody>
+                    <a:bodyPr/>
+                    <a:lstStyle/>
+                    <a:p>
+                      <a:endParaRPr lang="en-GB" dirty="0"/>
+                    </a:p>
+                  </a:txBody>
+                  <a:tcPr>
+                    <a:solidFill>
+                      <a:srgbClr val="C00000"/>
+                    </a:solidFill>
+                  </a:tcPr>
+                </a:tc>
+                <a:tc>
+                  <a:txBody>
+                    <a:bodyPr/>
+                    <a:lstStyle/>
+                    <a:p>
+                      <a:r>
+                        <a:rPr lang="en-GB" dirty="0"/>
+                        <a:t>X</a:t>
+                      </a:r>
+                    </a:p>
+                  </a:txBody>
+                  <a:tcPr>
+                    <a:solidFill>
+                      <a:srgbClr val="FFC000"/>
+                    </a:solidFill>
+                  </a:tcPr>
+                </a:tc>
+                <a:tc>
+                  <a:txBody>
+                    <a:bodyPr/>
+                    <a:lstStyle/>
+                    <a:p>
+                      <a:endParaRPr lang="en-GB" dirty="0"/>
+                    </a:p>
+                  </a:txBody>
+                  <a:tcPr>
+                    <a:solidFill>
+                      <a:srgbClr val="0070C0"/>
+                    </a:solidFill>
+                  </a:tcPr>
+                </a:tc>
+                <a:tc>
+                  <a:txBody>
+                    <a:bodyPr/>
+                    <a:lstStyle/>
+                    <a:p>
+                      <a:endParaRPr lang="en-GB" dirty="0"/>
+                    </a:p>
+                  </a:txBody>
+                  <a:tcPr>
+                    <a:solidFill>
+                      <a:schemeClr val="accent2">
+                        <a:lumMod val="60000"/>
+                        <a:lumOff val="40000"/>
+                      </a:schemeClr>
+                    </a:solidFill>
+                  </a:tcPr>
+                </a:tc>
+                <a:extLst>
+                  <a:ext uri="{0D108BD9-81ED-4DB2-BD59-A6C34878D82A}">
+                    <a16:rowId xmlns:a16="http://schemas.microsoft.com/office/drawing/2014/main" val="2860863937"/>
+                  </a:ext>
+                </a:extLst>
+              </a:tr>
+              <a:tr h="370840">
+                <a:tc>
+                  <a:txBody>
+                    <a:bodyPr/>
+                    <a:lstStyle/>
+                    <a:p>
+                      <a:pPr marL="0" marR="0" lvl="0" indent="0" algn="l" defTabSz="914400" rtl="0" eaLnBrk="1" fontAlgn="auto" latinLnBrk="0" hangingPunct="1">
+                        <a:lnSpc>
+                          <a:spcPct val="100000"/>
+                        </a:lnSpc>
+                        <a:spcBef>
+                          <a:spcPts val="0"/>
+                        </a:spcBef>
+                        <a:spcAft>
+                          <a:spcPts val="0"/>
+                        </a:spcAft>
+                        <a:buClrTx/>
+                        <a:buSzTx/>
+                        <a:buFontTx/>
+                        <a:buNone/>
+                        <a:tabLst/>
+                        <a:defRPr/>
+                      </a:pPr>
+                      <a:r>
+                        <a:rPr lang="en-GB" dirty="0"/>
+                        <a:t>Auto Hold</a:t>
+                      </a:r>
+                    </a:p>
+                  </a:txBody>
+                  <a:tcPr/>
+                </a:tc>
+                <a:tc>
+                  <a:txBody>
+                    <a:bodyPr/>
+                    <a:lstStyle/>
+                    <a:p>
+                      <a:endParaRPr lang="en-GB" dirty="0"/>
+                    </a:p>
+                  </a:txBody>
+                  <a:tcPr>
+                    <a:solidFill>
+                      <a:schemeClr val="accent6"/>
+                    </a:solidFill>
+                  </a:tcPr>
+                </a:tc>
+                <a:tc>
+                  <a:txBody>
+                    <a:bodyPr/>
+                    <a:lstStyle/>
+                    <a:p>
+                      <a:r>
+                        <a:rPr lang="en-GB" dirty="0"/>
+                        <a:t>X</a:t>
+                      </a:r>
+                    </a:p>
+                  </a:txBody>
+                  <a:tcPr>
+                    <a:solidFill>
+                      <a:srgbClr val="C00000"/>
+                    </a:solidFill>
+                  </a:tcPr>
+                </a:tc>
+                <a:tc>
+                  <a:txBody>
+                    <a:bodyPr/>
+                    <a:lstStyle/>
+                    <a:p>
+                      <a:r>
+                        <a:rPr lang="en-GB" dirty="0"/>
+                        <a:t>X</a:t>
+                      </a:r>
+                    </a:p>
+                  </a:txBody>
+                  <a:tcPr>
+                    <a:solidFill>
+                      <a:srgbClr val="FFC000"/>
+                    </a:solidFill>
+                  </a:tcPr>
+                </a:tc>
+                <a:tc>
+                  <a:txBody>
+                    <a:bodyPr/>
+                    <a:lstStyle/>
+                    <a:p>
+                      <a:r>
+                        <a:rPr lang="en-GB" dirty="0"/>
+                        <a:t>X</a:t>
+                      </a:r>
+                    </a:p>
+                  </a:txBody>
+                  <a:tcPr>
+                    <a:solidFill>
+                      <a:srgbClr val="0070C0"/>
+                    </a:solidFill>
+                  </a:tcPr>
+                </a:tc>
+                <a:tc>
+                  <a:txBody>
+                    <a:bodyPr/>
+                    <a:lstStyle/>
+                    <a:p>
+                      <a:endParaRPr lang="en-GB" dirty="0"/>
+                    </a:p>
+                  </a:txBody>
+                  <a:tcPr>
+                    <a:solidFill>
+                      <a:schemeClr val="accent2">
+                        <a:lumMod val="60000"/>
+                        <a:lumOff val="40000"/>
+                      </a:schemeClr>
+                    </a:solidFill>
+                  </a:tcPr>
+                </a:tc>
+                <a:extLst>
+                  <a:ext uri="{0D108BD9-81ED-4DB2-BD59-A6C34878D82A}">
+                    <a16:rowId xmlns:a16="http://schemas.microsoft.com/office/drawing/2014/main" val="3668205319"/>
                   </a:ext>
                 </a:extLst>
               </a:tr>
@@ -5477,6 +6250,66 @@
     <p:extLst>
       <p:ext uri="{BB962C8B-B14F-4D97-AF65-F5344CB8AC3E}">
         <p14:creationId xmlns:p14="http://schemas.microsoft.com/office/powerpoint/2010/main" val="143876283"/>
+      </p:ext>
+    </p:extLst>
+  </p:cSld>
+  <p:clrMapOvr>
+    <a:masterClrMapping/>
+  </p:clrMapOvr>
+</p:sld>
+</file>
+
+<file path=ppt/slides/slide5.xml><?xml version="1.0" encoding="utf-8"?>
+<p:sld xmlns:a="http://schemas.openxmlformats.org/drawingml/2006/main" xmlns:r="http://schemas.openxmlformats.org/officeDocument/2006/relationships" xmlns:p="http://schemas.openxmlformats.org/presentationml/2006/main">
+  <p:cSld>
+    <p:spTree>
+      <p:nvGrpSpPr>
+        <p:cNvPr id="1" name=""/>
+        <p:cNvGrpSpPr/>
+        <p:nvPr/>
+      </p:nvGrpSpPr>
+      <p:grpSpPr>
+        <a:xfrm>
+          <a:off x="0" y="0"/>
+          <a:ext cx="0" cy="0"/>
+          <a:chOff x="0" y="0"/>
+          <a:chExt cx="0" cy="0"/>
+        </a:xfrm>
+      </p:grpSpPr>
+      <p:pic>
+        <p:nvPicPr>
+          <p:cNvPr id="7" name="Picture 6">
+            <a:extLst>
+              <a:ext uri="{FF2B5EF4-FFF2-40B4-BE49-F238E27FC236}">
+                <a16:creationId xmlns:a16="http://schemas.microsoft.com/office/drawing/2014/main" id="{9219B28B-4817-0047-F5A3-9A48D47E93DC}"/>
+              </a:ext>
+            </a:extLst>
+          </p:cNvPr>
+          <p:cNvPicPr>
+            <a:picLocks noChangeAspect="1"/>
+          </p:cNvPicPr>
+          <p:nvPr/>
+        </p:nvPicPr>
+        <p:blipFill>
+          <a:blip r:embed="rId2"/>
+          <a:stretch>
+            <a:fillRect/>
+          </a:stretch>
+        </p:blipFill>
+        <p:spPr>
+          <a:xfrm>
+            <a:off x="2618890" y="761628"/>
+            <a:ext cx="6954220" cy="5334744"/>
+          </a:xfrm>
+          <a:prstGeom prst="rect">
+            <a:avLst/>
+          </a:prstGeom>
+        </p:spPr>
+      </p:pic>
+    </p:spTree>
+    <p:extLst>
+      <p:ext uri="{BB962C8B-B14F-4D97-AF65-F5344CB8AC3E}">
+        <p14:creationId xmlns:p14="http://schemas.microsoft.com/office/powerpoint/2010/main" val="3397485841"/>
       </p:ext>
     </p:extLst>
   </p:cSld>
